--- a/presentacion.pptx
+++ b/presentacion.pptx
@@ -19,6 +19,7 @@
     <p:sldId id="266" r:id="rId14"/>
     <p:sldId id="267" r:id="rId15"/>
     <p:sldId id="268" r:id="rId16"/>
+    <p:sldId id="269" r:id="rId17"/>
   </p:sldIdLst>
   <p:sldSz cx="12192000" cy="6858000"/>
   <p:notesSz cx="7772400" cy="10058400"/>
@@ -76,8 +77,8 @@
         </p:nvSpPr>
         <p:spPr>
           <a:xfrm>
-            <a:off x="1523880" y="1122480"/>
-            <a:ext cx="9142920" cy="2386440"/>
+            <a:off x="609480" y="273600"/>
+            <a:ext cx="10972440" cy="1144800"/>
           </a:xfrm>
           <a:prstGeom prst="rect">
             <a:avLst/>
@@ -106,7 +107,7 @@
         <p:spPr>
           <a:xfrm>
             <a:off x="609480" y="1604520"/>
-            <a:ext cx="10972080" cy="1896840"/>
+            <a:ext cx="10972440" cy="1896840"/>
           </a:xfrm>
           <a:prstGeom prst="rect">
             <a:avLst/>
@@ -136,7 +137,7 @@
         <p:spPr>
           <a:xfrm>
             <a:off x="609480" y="3682080"/>
-            <a:ext cx="10972080" cy="1896840"/>
+            <a:ext cx="10972440" cy="1896840"/>
           </a:xfrm>
           <a:prstGeom prst="rect">
             <a:avLst/>
@@ -187,8 +188,8 @@
         </p:nvSpPr>
         <p:spPr>
           <a:xfrm>
-            <a:off x="1523880" y="1122480"/>
-            <a:ext cx="9142920" cy="2386440"/>
+            <a:off x="609480" y="273600"/>
+            <a:ext cx="10972440" cy="1144800"/>
           </a:xfrm>
           <a:prstGeom prst="rect">
             <a:avLst/>
@@ -358,8 +359,8 @@
         </p:nvSpPr>
         <p:spPr>
           <a:xfrm>
-            <a:off x="1523880" y="1122480"/>
-            <a:ext cx="9142920" cy="2386440"/>
+            <a:off x="609480" y="273600"/>
+            <a:ext cx="10972440" cy="1144800"/>
           </a:xfrm>
           <a:prstGeom prst="rect">
             <a:avLst/>
@@ -388,7 +389,7 @@
         <p:spPr>
           <a:xfrm>
             <a:off x="609480" y="1604520"/>
-            <a:ext cx="3532680" cy="1896840"/>
+            <a:ext cx="3533040" cy="1896840"/>
           </a:xfrm>
           <a:prstGeom prst="rect">
             <a:avLst/>
@@ -417,8 +418,8 @@
         </p:nvSpPr>
         <p:spPr>
           <a:xfrm>
-            <a:off x="4319280" y="1604520"/>
-            <a:ext cx="3532680" cy="1896840"/>
+            <a:off x="4319640" y="1604520"/>
+            <a:ext cx="3533040" cy="1896840"/>
           </a:xfrm>
           <a:prstGeom prst="rect">
             <a:avLst/>
@@ -447,8 +448,8 @@
         </p:nvSpPr>
         <p:spPr>
           <a:xfrm>
-            <a:off x="8028720" y="1604520"/>
-            <a:ext cx="3532680" cy="1896840"/>
+            <a:off x="8029800" y="1604520"/>
+            <a:ext cx="3533040" cy="1896840"/>
           </a:xfrm>
           <a:prstGeom prst="rect">
             <a:avLst/>
@@ -478,7 +479,7 @@
         <p:spPr>
           <a:xfrm>
             <a:off x="609480" y="3682080"/>
-            <a:ext cx="3532680" cy="1896840"/>
+            <a:ext cx="3533040" cy="1896840"/>
           </a:xfrm>
           <a:prstGeom prst="rect">
             <a:avLst/>
@@ -507,8 +508,8 @@
         </p:nvSpPr>
         <p:spPr>
           <a:xfrm>
-            <a:off x="4319280" y="3682080"/>
-            <a:ext cx="3532680" cy="1896840"/>
+            <a:off x="4319640" y="3682080"/>
+            <a:ext cx="3533040" cy="1896840"/>
           </a:xfrm>
           <a:prstGeom prst="rect">
             <a:avLst/>
@@ -537,8 +538,8 @@
         </p:nvSpPr>
         <p:spPr>
           <a:xfrm>
-            <a:off x="8028720" y="3682080"/>
-            <a:ext cx="3532680" cy="1896840"/>
+            <a:off x="8029800" y="3682080"/>
+            <a:ext cx="3533040" cy="1896840"/>
           </a:xfrm>
           <a:prstGeom prst="rect">
             <a:avLst/>
@@ -611,8 +612,8 @@
         </p:nvSpPr>
         <p:spPr>
           <a:xfrm>
-            <a:off x="1523880" y="1122480"/>
-            <a:ext cx="9142920" cy="2386440"/>
+            <a:off x="609480" y="273600"/>
+            <a:ext cx="10972440" cy="1144800"/>
           </a:xfrm>
           <a:prstGeom prst="rect">
             <a:avLst/>
@@ -641,7 +642,7 @@
         <p:spPr>
           <a:xfrm>
             <a:off x="609480" y="1604520"/>
-            <a:ext cx="10972080" cy="3976920"/>
+            <a:ext cx="10972440" cy="3977280"/>
           </a:xfrm>
           <a:prstGeom prst="rect">
             <a:avLst/>
@@ -691,8 +692,8 @@
         </p:nvSpPr>
         <p:spPr>
           <a:xfrm>
-            <a:off x="1523880" y="1122480"/>
-            <a:ext cx="9142920" cy="2386440"/>
+            <a:off x="609480" y="273600"/>
+            <a:ext cx="10972440" cy="1144800"/>
           </a:xfrm>
           <a:prstGeom prst="rect">
             <a:avLst/>
@@ -721,7 +722,7 @@
         <p:spPr>
           <a:xfrm>
             <a:off x="609480" y="1604520"/>
-            <a:ext cx="10972080" cy="3976920"/>
+            <a:ext cx="10972440" cy="3977280"/>
           </a:xfrm>
           <a:prstGeom prst="rect">
             <a:avLst/>
@@ -772,8 +773,8 @@
         </p:nvSpPr>
         <p:spPr>
           <a:xfrm>
-            <a:off x="1523880" y="1122480"/>
-            <a:ext cx="9142920" cy="2386440"/>
+            <a:off x="609480" y="273600"/>
+            <a:ext cx="10972440" cy="1144800"/>
           </a:xfrm>
           <a:prstGeom prst="rect">
             <a:avLst/>
@@ -802,7 +803,7 @@
         <p:spPr>
           <a:xfrm>
             <a:off x="609480" y="1604520"/>
-            <a:ext cx="5354280" cy="3976920"/>
+            <a:ext cx="5354280" cy="3977280"/>
           </a:xfrm>
           <a:prstGeom prst="rect">
             <a:avLst/>
@@ -832,7 +833,7 @@
         <p:spPr>
           <a:xfrm>
             <a:off x="6231960" y="1604520"/>
-            <a:ext cx="5354280" cy="3976920"/>
+            <a:ext cx="5354280" cy="3977280"/>
           </a:xfrm>
           <a:prstGeom prst="rect">
             <a:avLst/>
@@ -883,8 +884,8 @@
         </p:nvSpPr>
         <p:spPr>
           <a:xfrm>
-            <a:off x="1523880" y="1122480"/>
-            <a:ext cx="9142920" cy="2386440"/>
+            <a:off x="609480" y="273600"/>
+            <a:ext cx="10972440" cy="1144800"/>
           </a:xfrm>
           <a:prstGeom prst="rect">
             <a:avLst/>
@@ -934,8 +935,8 @@
         </p:nvSpPr>
         <p:spPr>
           <a:xfrm>
-            <a:off x="1523880" y="1122480"/>
-            <a:ext cx="9142920" cy="11063520"/>
+            <a:off x="609480" y="273600"/>
+            <a:ext cx="10972440" cy="5307840"/>
           </a:xfrm>
           <a:prstGeom prst="rect">
             <a:avLst/>
@@ -985,8 +986,8 @@
         </p:nvSpPr>
         <p:spPr>
           <a:xfrm>
-            <a:off x="1523880" y="1122480"/>
-            <a:ext cx="9142920" cy="2386440"/>
+            <a:off x="609480" y="273600"/>
+            <a:ext cx="10972440" cy="1144800"/>
           </a:xfrm>
           <a:prstGeom prst="rect">
             <a:avLst/>
@@ -1045,7 +1046,7 @@
         <p:spPr>
           <a:xfrm>
             <a:off x="6231960" y="1604520"/>
-            <a:ext cx="5354280" cy="3976920"/>
+            <a:ext cx="5354280" cy="3977280"/>
           </a:xfrm>
           <a:prstGeom prst="rect">
             <a:avLst/>
@@ -1126,8 +1127,8 @@
         </p:nvSpPr>
         <p:spPr>
           <a:xfrm>
-            <a:off x="1523880" y="1122480"/>
-            <a:ext cx="9142920" cy="2386440"/>
+            <a:off x="609480" y="273600"/>
+            <a:ext cx="10972440" cy="1144800"/>
           </a:xfrm>
           <a:prstGeom prst="rect">
             <a:avLst/>
@@ -1156,7 +1157,7 @@
         <p:spPr>
           <a:xfrm>
             <a:off x="609480" y="1604520"/>
-            <a:ext cx="10972080" cy="3976920"/>
+            <a:ext cx="10972440" cy="3977280"/>
           </a:xfrm>
           <a:prstGeom prst="rect">
             <a:avLst/>
@@ -1206,8 +1207,8 @@
         </p:nvSpPr>
         <p:spPr>
           <a:xfrm>
-            <a:off x="1523880" y="1122480"/>
-            <a:ext cx="9142920" cy="2386440"/>
+            <a:off x="609480" y="273600"/>
+            <a:ext cx="10972440" cy="1144800"/>
           </a:xfrm>
           <a:prstGeom prst="rect">
             <a:avLst/>
@@ -1236,7 +1237,7 @@
         <p:spPr>
           <a:xfrm>
             <a:off x="609480" y="1604520"/>
-            <a:ext cx="5354280" cy="3976920"/>
+            <a:ext cx="5354280" cy="3977280"/>
           </a:xfrm>
           <a:prstGeom prst="rect">
             <a:avLst/>
@@ -1347,8 +1348,8 @@
         </p:nvSpPr>
         <p:spPr>
           <a:xfrm>
-            <a:off x="1523880" y="1122480"/>
-            <a:ext cx="9142920" cy="2386440"/>
+            <a:off x="609480" y="273600"/>
+            <a:ext cx="10972440" cy="1144800"/>
           </a:xfrm>
           <a:prstGeom prst="rect">
             <a:avLst/>
@@ -1437,7 +1438,7 @@
         <p:spPr>
           <a:xfrm>
             <a:off x="609480" y="3682080"/>
-            <a:ext cx="10972080" cy="1896840"/>
+            <a:ext cx="10972440" cy="1896840"/>
           </a:xfrm>
           <a:prstGeom prst="rect">
             <a:avLst/>
@@ -1488,8 +1489,8 @@
         </p:nvSpPr>
         <p:spPr>
           <a:xfrm>
-            <a:off x="1523880" y="1122480"/>
-            <a:ext cx="9142920" cy="2386440"/>
+            <a:off x="609480" y="273600"/>
+            <a:ext cx="10972440" cy="1144800"/>
           </a:xfrm>
           <a:prstGeom prst="rect">
             <a:avLst/>
@@ -1518,7 +1519,7 @@
         <p:spPr>
           <a:xfrm>
             <a:off x="609480" y="1604520"/>
-            <a:ext cx="10972080" cy="1896840"/>
+            <a:ext cx="10972440" cy="1896840"/>
           </a:xfrm>
           <a:prstGeom prst="rect">
             <a:avLst/>
@@ -1548,7 +1549,7 @@
         <p:spPr>
           <a:xfrm>
             <a:off x="609480" y="3682080"/>
-            <a:ext cx="10972080" cy="1896840"/>
+            <a:ext cx="10972440" cy="1896840"/>
           </a:xfrm>
           <a:prstGeom prst="rect">
             <a:avLst/>
@@ -1599,8 +1600,8 @@
         </p:nvSpPr>
         <p:spPr>
           <a:xfrm>
-            <a:off x="1523880" y="1122480"/>
-            <a:ext cx="9142920" cy="2386440"/>
+            <a:off x="609480" y="273600"/>
+            <a:ext cx="10972440" cy="1144800"/>
           </a:xfrm>
           <a:prstGeom prst="rect">
             <a:avLst/>
@@ -1770,8 +1771,8 @@
         </p:nvSpPr>
         <p:spPr>
           <a:xfrm>
-            <a:off x="1523880" y="1122480"/>
-            <a:ext cx="9142920" cy="2386440"/>
+            <a:off x="609480" y="273600"/>
+            <a:ext cx="10972440" cy="1144800"/>
           </a:xfrm>
           <a:prstGeom prst="rect">
             <a:avLst/>
@@ -1800,7 +1801,7 @@
         <p:spPr>
           <a:xfrm>
             <a:off x="609480" y="1604520"/>
-            <a:ext cx="3532680" cy="1896840"/>
+            <a:ext cx="3533040" cy="1896840"/>
           </a:xfrm>
           <a:prstGeom prst="rect">
             <a:avLst/>
@@ -1829,8 +1830,8 @@
         </p:nvSpPr>
         <p:spPr>
           <a:xfrm>
-            <a:off x="4319280" y="1604520"/>
-            <a:ext cx="3532680" cy="1896840"/>
+            <a:off x="4319640" y="1604520"/>
+            <a:ext cx="3533040" cy="1896840"/>
           </a:xfrm>
           <a:prstGeom prst="rect">
             <a:avLst/>
@@ -1859,8 +1860,8 @@
         </p:nvSpPr>
         <p:spPr>
           <a:xfrm>
-            <a:off x="8028720" y="1604520"/>
-            <a:ext cx="3532680" cy="1896840"/>
+            <a:off x="8029800" y="1604520"/>
+            <a:ext cx="3533040" cy="1896840"/>
           </a:xfrm>
           <a:prstGeom prst="rect">
             <a:avLst/>
@@ -1890,7 +1891,7 @@
         <p:spPr>
           <a:xfrm>
             <a:off x="609480" y="3682080"/>
-            <a:ext cx="3532680" cy="1896840"/>
+            <a:ext cx="3533040" cy="1896840"/>
           </a:xfrm>
           <a:prstGeom prst="rect">
             <a:avLst/>
@@ -1919,8 +1920,8 @@
         </p:nvSpPr>
         <p:spPr>
           <a:xfrm>
-            <a:off x="4319280" y="3682080"/>
-            <a:ext cx="3532680" cy="1896840"/>
+            <a:off x="4319640" y="3682080"/>
+            <a:ext cx="3533040" cy="1896840"/>
           </a:xfrm>
           <a:prstGeom prst="rect">
             <a:avLst/>
@@ -1949,8 +1950,8 @@
         </p:nvSpPr>
         <p:spPr>
           <a:xfrm>
-            <a:off x="8028720" y="3682080"/>
-            <a:ext cx="3532680" cy="1896840"/>
+            <a:off x="8029800" y="3682080"/>
+            <a:ext cx="3533040" cy="1896840"/>
           </a:xfrm>
           <a:prstGeom prst="rect">
             <a:avLst/>
@@ -2001,8 +2002,8 @@
         </p:nvSpPr>
         <p:spPr>
           <a:xfrm>
-            <a:off x="1523880" y="1122480"/>
-            <a:ext cx="9142920" cy="2386440"/>
+            <a:off x="609480" y="273600"/>
+            <a:ext cx="10972440" cy="1144800"/>
           </a:xfrm>
           <a:prstGeom prst="rect">
             <a:avLst/>
@@ -2031,7 +2032,7 @@
         <p:spPr>
           <a:xfrm>
             <a:off x="609480" y="1604520"/>
-            <a:ext cx="10972080" cy="3976920"/>
+            <a:ext cx="10972440" cy="3977280"/>
           </a:xfrm>
           <a:prstGeom prst="rect">
             <a:avLst/>
@@ -2082,8 +2083,8 @@
         </p:nvSpPr>
         <p:spPr>
           <a:xfrm>
-            <a:off x="1523880" y="1122480"/>
-            <a:ext cx="9142920" cy="2386440"/>
+            <a:off x="609480" y="273600"/>
+            <a:ext cx="10972440" cy="1144800"/>
           </a:xfrm>
           <a:prstGeom prst="rect">
             <a:avLst/>
@@ -2112,7 +2113,7 @@
         <p:spPr>
           <a:xfrm>
             <a:off x="609480" y="1604520"/>
-            <a:ext cx="5354280" cy="3976920"/>
+            <a:ext cx="5354280" cy="3977280"/>
           </a:xfrm>
           <a:prstGeom prst="rect">
             <a:avLst/>
@@ -2142,7 +2143,7 @@
         <p:spPr>
           <a:xfrm>
             <a:off x="6231960" y="1604520"/>
-            <a:ext cx="5354280" cy="3976920"/>
+            <a:ext cx="5354280" cy="3977280"/>
           </a:xfrm>
           <a:prstGeom prst="rect">
             <a:avLst/>
@@ -2193,8 +2194,8 @@
         </p:nvSpPr>
         <p:spPr>
           <a:xfrm>
-            <a:off x="1523880" y="1122480"/>
-            <a:ext cx="9142920" cy="2386440"/>
+            <a:off x="609480" y="273600"/>
+            <a:ext cx="10972440" cy="1144800"/>
           </a:xfrm>
           <a:prstGeom prst="rect">
             <a:avLst/>
@@ -2244,8 +2245,8 @@
         </p:nvSpPr>
         <p:spPr>
           <a:xfrm>
-            <a:off x="1523880" y="1122480"/>
-            <a:ext cx="9142920" cy="11063520"/>
+            <a:off x="609480" y="273600"/>
+            <a:ext cx="10972440" cy="5307840"/>
           </a:xfrm>
           <a:prstGeom prst="rect">
             <a:avLst/>
@@ -2295,8 +2296,8 @@
         </p:nvSpPr>
         <p:spPr>
           <a:xfrm>
-            <a:off x="1523880" y="1122480"/>
-            <a:ext cx="9142920" cy="2386440"/>
+            <a:off x="609480" y="273600"/>
+            <a:ext cx="10972440" cy="1144800"/>
           </a:xfrm>
           <a:prstGeom prst="rect">
             <a:avLst/>
@@ -2355,7 +2356,7 @@
         <p:spPr>
           <a:xfrm>
             <a:off x="6231960" y="1604520"/>
-            <a:ext cx="5354280" cy="3976920"/>
+            <a:ext cx="5354280" cy="3977280"/>
           </a:xfrm>
           <a:prstGeom prst="rect">
             <a:avLst/>
@@ -2436,8 +2437,8 @@
         </p:nvSpPr>
         <p:spPr>
           <a:xfrm>
-            <a:off x="1523880" y="1122480"/>
-            <a:ext cx="9142920" cy="2386440"/>
+            <a:off x="609480" y="273600"/>
+            <a:ext cx="10972440" cy="1144800"/>
           </a:xfrm>
           <a:prstGeom prst="rect">
             <a:avLst/>
@@ -2466,7 +2467,7 @@
         <p:spPr>
           <a:xfrm>
             <a:off x="609480" y="1604520"/>
-            <a:ext cx="5354280" cy="3976920"/>
+            <a:ext cx="5354280" cy="3977280"/>
           </a:xfrm>
           <a:prstGeom prst="rect">
             <a:avLst/>
@@ -2577,8 +2578,8 @@
         </p:nvSpPr>
         <p:spPr>
           <a:xfrm>
-            <a:off x="1523880" y="1122480"/>
-            <a:ext cx="9142920" cy="2386440"/>
+            <a:off x="609480" y="273600"/>
+            <a:ext cx="10972440" cy="1144800"/>
           </a:xfrm>
           <a:prstGeom prst="rect">
             <a:avLst/>
@@ -2667,7 +2668,7 @@
         <p:spPr>
           <a:xfrm>
             <a:off x="609480" y="3682080"/>
-            <a:ext cx="10972080" cy="1896840"/>
+            <a:ext cx="10972440" cy="1896840"/>
           </a:xfrm>
           <a:prstGeom prst="rect">
             <a:avLst/>
@@ -2725,8 +2726,8 @@
         </p:nvSpPr>
         <p:spPr>
           <a:xfrm>
-            <a:off x="1523880" y="1122480"/>
-            <a:ext cx="9142920" cy="2386440"/>
+            <a:off x="609480" y="273600"/>
+            <a:ext cx="10972440" cy="1144800"/>
           </a:xfrm>
           <a:prstGeom prst="rect">
             <a:avLst/>
@@ -2735,13 +2736,14 @@
         <p:txBody>
           <a:bodyPr lIns="0" rIns="0" tIns="0" bIns="0" anchor="ctr"/>
           <a:p>
+            <a:pPr algn="ctr"/>
             <a:r>
-              <a:rPr b="0" lang="es-CL" sz="1800" spc="-1" strike="noStrike">
+              <a:rPr b="0" lang="es-CL" sz="4400" spc="-1" strike="noStrike">
                 <a:latin typeface="Arial"/>
               </a:rPr>
               <a:t>Click to edit the title text format</a:t>
             </a:r>
-            <a:endParaRPr b="0" lang="es-CL" sz="1800" spc="-1" strike="noStrike">
+            <a:endParaRPr b="0" lang="es-CL" sz="4400" spc="-1" strike="noStrike">
               <a:latin typeface="Arial"/>
             </a:endParaRPr>
           </a:p>
@@ -2760,7 +2762,7 @@
         <p:spPr>
           <a:xfrm>
             <a:off x="609480" y="1604520"/>
-            <a:ext cx="10972080" cy="3976920"/>
+            <a:ext cx="10972440" cy="3977280"/>
           </a:xfrm>
           <a:prstGeom prst="rect">
             <a:avLst/>
@@ -2783,12 +2785,12 @@
               <a:buChar char=""/>
             </a:pPr>
             <a:r>
-              <a:rPr b="0" lang="es-CL" sz="1800" spc="-1" strike="noStrike">
+              <a:rPr b="0" lang="es-CL" sz="3200" spc="-1" strike="noStrike">
                 <a:latin typeface="Arial"/>
               </a:rPr>
               <a:t>Click to edit the outline text format</a:t>
             </a:r>
-            <a:endParaRPr b="0" lang="es-CL" sz="1800" spc="-1" strike="noStrike">
+            <a:endParaRPr b="0" lang="es-CL" sz="3200" spc="-1" strike="noStrike">
               <a:latin typeface="Arial"/>
             </a:endParaRPr>
           </a:p>
@@ -2805,12 +2807,12 @@
               <a:buChar char=""/>
             </a:pPr>
             <a:r>
-              <a:rPr b="0" lang="es-CL" sz="1800" spc="-1" strike="noStrike">
+              <a:rPr b="0" lang="es-CL" sz="2800" spc="-1" strike="noStrike">
                 <a:latin typeface="Arial"/>
               </a:rPr>
               <a:t>Second Outline Level</a:t>
             </a:r>
-            <a:endParaRPr b="0" lang="es-CL" sz="1800" spc="-1" strike="noStrike">
+            <a:endParaRPr b="0" lang="es-CL" sz="2800" spc="-1" strike="noStrike">
               <a:latin typeface="Arial"/>
             </a:endParaRPr>
           </a:p>
@@ -2827,12 +2829,12 @@
               <a:buChar char=""/>
             </a:pPr>
             <a:r>
-              <a:rPr b="0" lang="es-CL" sz="1800" spc="-1" strike="noStrike">
+              <a:rPr b="0" lang="es-CL" sz="2400" spc="-1" strike="noStrike">
                 <a:latin typeface="Arial"/>
               </a:rPr>
               <a:t>Third Outline Level</a:t>
             </a:r>
-            <a:endParaRPr b="0" lang="es-CL" sz="1800" spc="-1" strike="noStrike">
+            <a:endParaRPr b="0" lang="es-CL" sz="2400" spc="-1" strike="noStrike">
               <a:latin typeface="Arial"/>
             </a:endParaRPr>
           </a:p>
@@ -2849,12 +2851,12 @@
               <a:buChar char=""/>
             </a:pPr>
             <a:r>
-              <a:rPr b="0" lang="es-CL" sz="1800" spc="-1" strike="noStrike">
+              <a:rPr b="0" lang="es-CL" sz="2000" spc="-1" strike="noStrike">
                 <a:latin typeface="Arial"/>
               </a:rPr>
               <a:t>Fourth Outline Level</a:t>
             </a:r>
-            <a:endParaRPr b="0" lang="es-CL" sz="1800" spc="-1" strike="noStrike">
+            <a:endParaRPr b="0" lang="es-CL" sz="2000" spc="-1" strike="noStrike">
               <a:latin typeface="Arial"/>
             </a:endParaRPr>
           </a:p>
@@ -2871,12 +2873,12 @@
               <a:buChar char=""/>
             </a:pPr>
             <a:r>
-              <a:rPr b="0" lang="es-CL" sz="1800" spc="-1" strike="noStrike">
+              <a:rPr b="0" lang="es-CL" sz="2000" spc="-1" strike="noStrike">
                 <a:latin typeface="Arial"/>
               </a:rPr>
               <a:t>Fifth Outline Level</a:t>
             </a:r>
-            <a:endParaRPr b="0" lang="es-CL" sz="1800" spc="-1" strike="noStrike">
+            <a:endParaRPr b="0" lang="es-CL" sz="2000" spc="-1" strike="noStrike">
               <a:latin typeface="Arial"/>
             </a:endParaRPr>
           </a:p>
@@ -2893,12 +2895,12 @@
               <a:buChar char=""/>
             </a:pPr>
             <a:r>
-              <a:rPr b="0" lang="es-CL" sz="1800" spc="-1" strike="noStrike">
+              <a:rPr b="0" lang="es-CL" sz="2000" spc="-1" strike="noStrike">
                 <a:latin typeface="Arial"/>
               </a:rPr>
               <a:t>Sixth Outline Level</a:t>
             </a:r>
-            <a:endParaRPr b="0" lang="es-CL" sz="1800" spc="-1" strike="noStrike">
+            <a:endParaRPr b="0" lang="es-CL" sz="2000" spc="-1" strike="noStrike">
               <a:latin typeface="Arial"/>
             </a:endParaRPr>
           </a:p>
@@ -2915,12 +2917,12 @@
               <a:buChar char=""/>
             </a:pPr>
             <a:r>
-              <a:rPr b="0" lang="es-CL" sz="1800" spc="-1" strike="noStrike">
+              <a:rPr b="0" lang="es-CL" sz="2000" spc="-1" strike="noStrike">
                 <a:latin typeface="Arial"/>
               </a:rPr>
               <a:t>Seventh Outline Level</a:t>
             </a:r>
-            <a:endParaRPr b="0" lang="es-CL" sz="1800" spc="-1" strike="noStrike">
+            <a:endParaRPr b="0" lang="es-CL" sz="2000" spc="-1" strike="noStrike">
               <a:latin typeface="Arial"/>
             </a:endParaRPr>
           </a:p>
@@ -2982,8 +2984,8 @@
         </p:nvSpPr>
         <p:spPr>
           <a:xfrm>
-            <a:off x="1523880" y="1122480"/>
-            <a:ext cx="9142920" cy="2386440"/>
+            <a:off x="609480" y="273600"/>
+            <a:ext cx="10972080" cy="1144440"/>
           </a:xfrm>
           <a:prstGeom prst="rect">
             <a:avLst/>
@@ -2996,13 +2998,7 @@
               <a:rPr b="0" lang="es-CL" sz="1800" spc="-1" strike="noStrike">
                 <a:latin typeface="Arial"/>
               </a:rPr>
-              <a:t>Click to edit the title </a:t>
-            </a:r>
-            <a:r>
-              <a:rPr b="0" lang="es-CL" sz="1800" spc="-1" strike="noStrike">
-                <a:latin typeface="Arial"/>
-              </a:rPr>
-              <a:t>text format</a:t>
+              <a:t>Click to edit the title text format</a:t>
             </a:r>
             <a:endParaRPr b="0" lang="es-CL" sz="1800" spc="-1" strike="noStrike">
               <a:latin typeface="Arial"/>
@@ -3424,7 +3420,7 @@
         <p:spPr>
           <a:xfrm>
             <a:off x="3699720" y="3989160"/>
-            <a:ext cx="4872960" cy="638280"/>
+            <a:ext cx="4871880" cy="637200"/>
           </a:xfrm>
           <a:prstGeom prst="rect">
             <a:avLst/>
@@ -3532,7 +3528,7 @@
         <p:spPr>
           <a:xfrm>
             <a:off x="1559880" y="1050480"/>
-            <a:ext cx="9142920" cy="481320"/>
+            <a:ext cx="9141840" cy="480240"/>
           </a:xfrm>
           <a:prstGeom prst="rect">
             <a:avLst/>
@@ -3564,17 +3560,7 @@
                 <a:latin typeface="Calibri"/>
                 <a:ea typeface="DejaVu Sans"/>
               </a:rPr>
-              <a:t>VaR en SQL </a:t>
-            </a:r>
-            <a:r>
-              <a:rPr b="0" lang="es-CL" sz="3600" spc="-1" strike="noStrike">
-                <a:solidFill>
-                  <a:srgbClr val="000000"/>
-                </a:solidFill>
-                <a:latin typeface="Calibri"/>
-                <a:ea typeface="DejaVu Sans"/>
-              </a:rPr>
-              <a:t>vs R</a:t>
+              <a:t>VaR en SQL vs R</a:t>
             </a:r>
             <a:endParaRPr b="0" lang="es-CL" sz="3600" spc="-1" strike="noStrike">
               <a:latin typeface="Arial"/>
@@ -3591,7 +3577,7 @@
         <p:spPr>
           <a:xfrm>
             <a:off x="609480" y="1604520"/>
-            <a:ext cx="5353560" cy="3976560"/>
+            <a:ext cx="5352480" cy="3975480"/>
           </a:xfrm>
           <a:prstGeom prst="rect">
             <a:avLst/>
@@ -3612,7 +3598,7 @@
             <a:normAutofit/>
           </a:bodyPr>
           <a:p>
-            <a:pPr marL="432000" indent="-323280">
+            <a:pPr marL="432000" indent="-322200">
               <a:lnSpc>
                 <a:spcPct val="100000"/>
               </a:lnSpc>
@@ -3651,7 +3637,7 @@
         <p:spPr>
           <a:xfrm>
             <a:off x="6231960" y="1604520"/>
-            <a:ext cx="5353560" cy="3976560"/>
+            <a:ext cx="5352480" cy="3975480"/>
           </a:xfrm>
           <a:prstGeom prst="rect">
             <a:avLst/>
@@ -3672,7 +3658,7 @@
             <a:normAutofit/>
           </a:bodyPr>
           <a:p>
-            <a:pPr marL="432000" indent="-323280">
+            <a:pPr marL="432000" indent="-322200">
               <a:lnSpc>
                 <a:spcPct val="100000"/>
               </a:lnSpc>
@@ -3715,7 +3701,7 @@
         <p:spPr>
           <a:xfrm>
             <a:off x="110880" y="2088000"/>
-            <a:ext cx="5981760" cy="3455280"/>
+            <a:ext cx="5980680" cy="3454200"/>
           </a:xfrm>
           <a:prstGeom prst="rect">
             <a:avLst/>
@@ -3737,8 +3723,8 @@
         </p:blipFill>
         <p:spPr>
           <a:xfrm>
-            <a:off x="6231960" y="2100960"/>
-            <a:ext cx="6189480" cy="3442320"/>
+            <a:off x="6159960" y="2100960"/>
+            <a:ext cx="6188400" cy="3441240"/>
           </a:xfrm>
           <a:prstGeom prst="rect">
             <a:avLst/>
@@ -3816,7 +3802,7 @@
         <p:spPr>
           <a:xfrm>
             <a:off x="1559880" y="1050480"/>
-            <a:ext cx="9142920" cy="481320"/>
+            <a:ext cx="9141840" cy="480240"/>
           </a:xfrm>
           <a:prstGeom prst="rect">
             <a:avLst/>
@@ -3848,17 +3834,7 @@
                 <a:latin typeface="Calibri"/>
                 <a:ea typeface="DejaVu Sans"/>
               </a:rPr>
-              <a:t>Calculos de </a:t>
-            </a:r>
-            <a:r>
-              <a:rPr b="0" lang="es-CL" sz="3600" spc="-1" strike="noStrike">
-                <a:solidFill>
-                  <a:srgbClr val="000000"/>
-                </a:solidFill>
-                <a:latin typeface="Calibri"/>
-                <a:ea typeface="DejaVu Sans"/>
-              </a:rPr>
-              <a:t>VaR</a:t>
+              <a:t>Calculos de VaR, formas de conectar R a SQL.</a:t>
             </a:r>
             <a:endParaRPr b="0" lang="es-CL" sz="3600" spc="-1" strike="noStrike">
               <a:latin typeface="Arial"/>
@@ -3875,7 +3851,7 @@
         <p:spPr>
           <a:xfrm>
             <a:off x="609480" y="1604520"/>
-            <a:ext cx="10838520" cy="3976560"/>
+            <a:ext cx="10837440" cy="3975480"/>
           </a:xfrm>
           <a:prstGeom prst="rect">
             <a:avLst/>
@@ -3896,7 +3872,7 @@
             <a:normAutofit/>
           </a:bodyPr>
           <a:p>
-            <a:pPr marL="432000" indent="-323280">
+            <a:pPr marL="432000" indent="-322200">
               <a:lnSpc>
                 <a:spcPct val="100000"/>
               </a:lnSpc>
@@ -3925,7 +3901,7 @@
             </a:endParaRPr>
           </a:p>
           <a:p>
-            <a:pPr marL="432000" indent="-323280">
+            <a:pPr marL="432000" indent="-322200">
               <a:lnSpc>
                 <a:spcPct val="100000"/>
               </a:lnSpc>
@@ -3954,7 +3930,7 @@
             </a:endParaRPr>
           </a:p>
           <a:p>
-            <a:pPr marL="432000" indent="-323280">
+            <a:pPr marL="432000" indent="-322200">
               <a:lnSpc>
                 <a:spcPct val="100000"/>
               </a:lnSpc>
@@ -3983,7 +3959,7 @@
             </a:endParaRPr>
           </a:p>
           <a:p>
-            <a:pPr marL="432000" indent="-323280">
+            <a:pPr marL="432000" indent="-322200">
               <a:lnSpc>
                 <a:spcPct val="100000"/>
               </a:lnSpc>
@@ -4005,14 +3981,14 @@
                 <a:latin typeface="Calibri"/>
                 <a:ea typeface="DejaVu Sans"/>
               </a:rPr>
-              <a:t>VaR usando integración de R con SQL Server 2017.</a:t>
+              <a:t>VaR usando integración de R con SQL Server 2017 (sp_execute_external_script).</a:t>
             </a:r>
             <a:endParaRPr b="0" lang="es-CL" sz="2800" spc="-1" strike="noStrike">
               <a:latin typeface="Arial"/>
             </a:endParaRPr>
           </a:p>
           <a:p>
-            <a:pPr marL="432000" indent="-323280">
+            <a:pPr marL="432000" indent="-322200">
               <a:lnSpc>
                 <a:spcPct val="100000"/>
               </a:lnSpc>
@@ -4034,14 +4010,14 @@
                 <a:latin typeface="Calibri"/>
                 <a:ea typeface="DejaVu Sans"/>
               </a:rPr>
-              <a:t>VaR usando R desde SQL Server (Cualquier Version).</a:t>
+              <a:t>VaR usando R desde SQL Server (xp_cmdshell).</a:t>
             </a:r>
             <a:endParaRPr b="0" lang="es-CL" sz="2800" spc="-1" strike="noStrike">
               <a:latin typeface="Arial"/>
             </a:endParaRPr>
           </a:p>
           <a:p>
-            <a:pPr marL="432000" indent="-323280">
+            <a:pPr marL="432000" indent="-322200">
               <a:lnSpc>
                 <a:spcPct val="100000"/>
               </a:lnSpc>
@@ -4063,7 +4039,7 @@
                 <a:latin typeface="Calibri"/>
                 <a:ea typeface="DejaVu Sans"/>
               </a:rPr>
-              <a:t>VaR modo Batch desde linux.</a:t>
+              <a:t>VaR modo batch desde linux.</a:t>
             </a:r>
             <a:endParaRPr b="0" lang="es-CL" sz="2800" spc="-1" strike="noStrike">
               <a:latin typeface="Arial"/>
@@ -4138,8 +4114,8 @@
         </p:nvSpPr>
         <p:spPr>
           <a:xfrm>
-            <a:off x="1543680" y="957960"/>
-            <a:ext cx="9864360" cy="516240"/>
+            <a:off x="1559880" y="1050480"/>
+            <a:ext cx="9141840" cy="480240"/>
           </a:xfrm>
           <a:prstGeom prst="rect">
             <a:avLst/>
@@ -4156,7 +4132,7 @@
           <a:fontRef idx="minor"/>
         </p:style>
         <p:txBody>
-          <a:bodyPr lIns="90000" rIns="90000" tIns="45000" bIns="45000"/>
+          <a:bodyPr lIns="0" rIns="0" tIns="0" bIns="0" anchor="ctr"/>
           <a:p>
             <a:pPr>
               <a:lnSpc>
@@ -4164,44 +4140,255 @@
               </a:lnSpc>
             </a:pPr>
             <a:r>
+              <a:rPr b="0" lang="es-CL" sz="3600" spc="-1" strike="noStrike">
+                <a:solidFill>
+                  <a:srgbClr val="000000"/>
+                </a:solidFill>
+                <a:latin typeface="Calibri"/>
+                <a:ea typeface="DejaVu Sans"/>
+              </a:rPr>
+              <a:t>Buenas Practicas.</a:t>
+            </a:r>
+            <a:endParaRPr b="0" lang="es-CL" sz="3600" spc="-1" strike="noStrike">
+              <a:latin typeface="Arial"/>
+            </a:endParaRPr>
+          </a:p>
+        </p:txBody>
+      </p:sp>
+      <p:sp>
+        <p:nvSpPr>
+          <p:cNvPr id="111" name="CustomShape 2"/>
+          <p:cNvSpPr/>
+          <p:nvPr/>
+        </p:nvSpPr>
+        <p:spPr>
+          <a:xfrm>
+            <a:off x="609480" y="1604520"/>
+            <a:ext cx="10837440" cy="5019120"/>
+          </a:xfrm>
+          <a:prstGeom prst="rect">
+            <a:avLst/>
+          </a:prstGeom>
+          <a:noFill/>
+          <a:ln>
+            <a:noFill/>
+          </a:ln>
+        </p:spPr>
+        <p:style>
+          <a:lnRef idx="0"/>
+          <a:fillRef idx="0"/>
+          <a:effectRef idx="0"/>
+          <a:fontRef idx="minor"/>
+        </p:style>
+        <p:txBody>
+          <a:bodyPr lIns="0" rIns="0" tIns="0" bIns="0">
+            <a:normAutofit/>
+          </a:bodyPr>
+          <a:p>
+            <a:pPr marL="432000" indent="-322200">
+              <a:lnSpc>
+                <a:spcPct val="100000"/>
+              </a:lnSpc>
+              <a:spcBef>
+                <a:spcPts val="1417"/>
+              </a:spcBef>
+              <a:buClr>
+                <a:srgbClr val="000000"/>
+              </a:buClr>
+              <a:buSzPct val="45000"/>
+              <a:buFont typeface="Wingdings" charset="2"/>
+              <a:buChar char=""/>
+            </a:pPr>
+            <a:r>
               <a:rPr b="0" lang="es-CL" sz="2800" spc="-1" strike="noStrike">
                 <a:solidFill>
                   <a:srgbClr val="000000"/>
                 </a:solidFill>
-                <a:latin typeface="Segoe UI"/>
+                <a:latin typeface="Calibri"/>
                 <a:ea typeface="DejaVu Sans"/>
               </a:rPr>
-              <a:t>PASS Virtual Groups</a:t>
+              <a:t>Usar un wrapper para las Querys.</a:t>
             </a:r>
             <a:endParaRPr b="0" lang="es-CL" sz="2800" spc="-1" strike="noStrike">
               <a:latin typeface="Arial"/>
             </a:endParaRPr>
           </a:p>
-        </p:txBody>
-      </p:sp>
-      <p:pic>
-        <p:nvPicPr>
-          <p:cNvPr id="111" name="Picture 3" descr=""/>
-          <p:cNvPicPr/>
-          <p:nvPr/>
-        </p:nvPicPr>
-        <p:blipFill>
-          <a:blip r:embed="rId2"/>
-          <a:stretch/>
-        </p:blipFill>
-        <p:spPr>
-          <a:xfrm>
-            <a:off x="1543680" y="1648800"/>
-            <a:ext cx="10088640" cy="4668840"/>
-          </a:xfrm>
-          <a:prstGeom prst="rect">
-            <a:avLst/>
-          </a:prstGeom>
-          <a:ln>
-            <a:noFill/>
-          </a:ln>
-        </p:spPr>
-      </p:pic>
+          <a:p>
+            <a:pPr marL="432000" indent="-322200">
+              <a:lnSpc>
+                <a:spcPct val="100000"/>
+              </a:lnSpc>
+              <a:spcBef>
+                <a:spcPts val="1417"/>
+              </a:spcBef>
+              <a:buClr>
+                <a:srgbClr val="000000"/>
+              </a:buClr>
+              <a:buSzPct val="45000"/>
+              <a:buFont typeface="Wingdings" charset="2"/>
+              <a:buChar char=""/>
+            </a:pPr>
+            <a:r>
+              <a:rPr b="0" lang="es-CL" sz="2800" spc="-1" strike="noStrike">
+                <a:solidFill>
+                  <a:srgbClr val="000000"/>
+                </a:solidFill>
+                <a:latin typeface="Calibri"/>
+                <a:ea typeface="DejaVu Sans"/>
+              </a:rPr>
+              <a:t>Integrar un log en el sql_wrapper.R e integrar ese log a errores.</a:t>
+            </a:r>
+            <a:endParaRPr b="0" lang="es-CL" sz="2800" spc="-1" strike="noStrike">
+              <a:latin typeface="Arial"/>
+            </a:endParaRPr>
+          </a:p>
+          <a:p>
+            <a:pPr marL="432000" indent="-322200">
+              <a:lnSpc>
+                <a:spcPct val="100000"/>
+              </a:lnSpc>
+              <a:spcBef>
+                <a:spcPts val="1417"/>
+              </a:spcBef>
+              <a:buClr>
+                <a:srgbClr val="000000"/>
+              </a:buClr>
+              <a:buSzPct val="45000"/>
+              <a:buFont typeface="Wingdings" charset="2"/>
+              <a:buChar char=""/>
+            </a:pPr>
+            <a:r>
+              <a:rPr b="0" lang="es-CL" sz="2800" spc="-1" strike="noStrike">
+                <a:solidFill>
+                  <a:srgbClr val="000000"/>
+                </a:solidFill>
+                <a:latin typeface="Calibri"/>
+                <a:ea typeface="DejaVu Sans"/>
+              </a:rPr>
+              <a:t>Limitar el uso de memoria RAM en SQL Server.</a:t>
+            </a:r>
+            <a:endParaRPr b="0" lang="es-CL" sz="2800" spc="-1" strike="noStrike">
+              <a:latin typeface="Arial"/>
+            </a:endParaRPr>
+          </a:p>
+          <a:p>
+            <a:pPr marL="432000" indent="-322200">
+              <a:lnSpc>
+                <a:spcPct val="100000"/>
+              </a:lnSpc>
+              <a:spcBef>
+                <a:spcPts val="1417"/>
+              </a:spcBef>
+              <a:buClr>
+                <a:srgbClr val="000000"/>
+              </a:buClr>
+              <a:buSzPct val="45000"/>
+              <a:buFont typeface="Wingdings" charset="2"/>
+              <a:buChar char=""/>
+            </a:pPr>
+            <a:r>
+              <a:rPr b="0" lang="es-CL" sz="2800" spc="-1" strike="noStrike">
+                <a:solidFill>
+                  <a:srgbClr val="000000"/>
+                </a:solidFill>
+                <a:latin typeface="Calibri"/>
+                <a:ea typeface="DejaVu Sans"/>
+              </a:rPr>
+              <a:t>Homologar nombres de columnas en query.</a:t>
+            </a:r>
+            <a:endParaRPr b="0" lang="es-CL" sz="2800" spc="-1" strike="noStrike">
+              <a:latin typeface="Arial"/>
+            </a:endParaRPr>
+          </a:p>
+          <a:p>
+            <a:pPr marL="432000" indent="-322200">
+              <a:lnSpc>
+                <a:spcPct val="100000"/>
+              </a:lnSpc>
+              <a:spcBef>
+                <a:spcPts val="1417"/>
+              </a:spcBef>
+              <a:buClr>
+                <a:srgbClr val="000000"/>
+              </a:buClr>
+              <a:buSzPct val="45000"/>
+              <a:buFont typeface="Wingdings" charset="2"/>
+              <a:buChar char=""/>
+            </a:pPr>
+            <a:r>
+              <a:rPr b="0" lang="es-CL" sz="2800" spc="-1" strike="noStrike">
+                <a:solidFill>
+                  <a:srgbClr val="000000"/>
+                </a:solidFill>
+                <a:latin typeface="Calibri"/>
+                <a:ea typeface="DejaVu Sans"/>
+              </a:rPr>
+              <a:t>Acelerar escritura usando paralelización en R.</a:t>
+            </a:r>
+            <a:endParaRPr b="0" lang="es-CL" sz="2800" spc="-1" strike="noStrike">
+              <a:latin typeface="Arial"/>
+            </a:endParaRPr>
+          </a:p>
+          <a:p>
+            <a:pPr marL="432000" indent="-322200">
+              <a:lnSpc>
+                <a:spcPct val="100000"/>
+              </a:lnSpc>
+              <a:spcBef>
+                <a:spcPts val="1417"/>
+              </a:spcBef>
+              <a:buClr>
+                <a:srgbClr val="000000"/>
+              </a:buClr>
+              <a:buSzPct val="45000"/>
+              <a:buFont typeface="Wingdings" charset="2"/>
+              <a:buChar char=""/>
+            </a:pPr>
+            <a:r>
+              <a:rPr b="0" lang="es-CL" sz="2800" spc="-1" strike="noStrike">
+                <a:solidFill>
+                  <a:srgbClr val="000000"/>
+                </a:solidFill>
+                <a:latin typeface="Calibri"/>
+                <a:ea typeface="DejaVu Sans"/>
+              </a:rPr>
+              <a:t>Manipulación de datos compleja en R.</a:t>
+            </a:r>
+            <a:endParaRPr b="0" lang="es-CL" sz="2800" spc="-1" strike="noStrike">
+              <a:latin typeface="Arial"/>
+            </a:endParaRPr>
+          </a:p>
+          <a:p>
+            <a:pPr marL="432000" indent="-322200">
+              <a:lnSpc>
+                <a:spcPct val="100000"/>
+              </a:lnSpc>
+              <a:spcBef>
+                <a:spcPts val="1417"/>
+              </a:spcBef>
+              <a:buClr>
+                <a:srgbClr val="000000"/>
+              </a:buClr>
+              <a:buSzPct val="45000"/>
+              <a:buFont typeface="Wingdings" charset="2"/>
+              <a:buChar char=""/>
+            </a:pPr>
+            <a:r>
+              <a:rPr b="0" lang="es-CL" sz="2800" spc="-1" strike="noStrike">
+                <a:solidFill>
+                  <a:srgbClr val="000000"/>
+                </a:solidFill>
+                <a:latin typeface="Calibri"/>
+                <a:ea typeface="DejaVu Sans"/>
+              </a:rPr>
+              <a:t>Si tabla es muy grande, usar data.table.</a:t>
+            </a:r>
+            <a:endParaRPr b="0" lang="es-CL" sz="2800" spc="-1" strike="noStrike">
+              <a:latin typeface="Arial"/>
+            </a:endParaRPr>
+          </a:p>
+        </p:txBody>
+      </p:sp>
     </p:spTree>
   </p:cSld>
   <p:timing>
@@ -4269,8 +4456,139 @@
         </p:nvSpPr>
         <p:spPr>
           <a:xfrm>
+            <a:off x="1559880" y="1050480"/>
+            <a:ext cx="9141840" cy="480240"/>
+          </a:xfrm>
+          <a:prstGeom prst="rect">
+            <a:avLst/>
+          </a:prstGeom>
+          <a:noFill/>
+          <a:ln>
+            <a:noFill/>
+          </a:ln>
+        </p:spPr>
+        <p:style>
+          <a:lnRef idx="0"/>
+          <a:fillRef idx="0"/>
+          <a:effectRef idx="0"/>
+          <a:fontRef idx="minor"/>
+        </p:style>
+        <p:txBody>
+          <a:bodyPr lIns="0" rIns="0" tIns="0" bIns="0" anchor="ctr"/>
+          <a:p>
+            <a:pPr>
+              <a:lnSpc>
+                <a:spcPct val="100000"/>
+              </a:lnSpc>
+            </a:pPr>
+            <a:r>
+              <a:rPr b="0" lang="es-CL" sz="3600" spc="-1" strike="noStrike">
+                <a:solidFill>
+                  <a:srgbClr val="000000"/>
+                </a:solidFill>
+                <a:latin typeface="Calibri"/>
+                <a:ea typeface="DejaVu Sans"/>
+              </a:rPr>
+              <a:t>Próximas Presentaciones</a:t>
+            </a:r>
+            <a:endParaRPr b="0" lang="es-CL" sz="3600" spc="-1" strike="noStrike">
+              <a:latin typeface="Arial"/>
+            </a:endParaRPr>
+          </a:p>
+        </p:txBody>
+      </p:sp>
+      <p:pic>
+        <p:nvPicPr>
+          <p:cNvPr id="113" name="" descr=""/>
+          <p:cNvPicPr/>
+          <p:nvPr/>
+        </p:nvPicPr>
+        <p:blipFill>
+          <a:blip r:embed="rId2"/>
+          <a:stretch/>
+        </p:blipFill>
+        <p:spPr>
+          <a:xfrm>
+            <a:off x="2088000" y="1540080"/>
+            <a:ext cx="8570520" cy="5155920"/>
+          </a:xfrm>
+          <a:prstGeom prst="rect">
+            <a:avLst/>
+          </a:prstGeom>
+          <a:ln>
+            <a:noFill/>
+          </a:ln>
+        </p:spPr>
+      </p:pic>
+    </p:spTree>
+  </p:cSld>
+  <p:timing>
+    <p:tnLst>
+      <p:par>
+        <p:cTn id="25" dur="indefinite" restart="never" nodeType="tmRoot">
+          <p:childTnLst>
+            <p:seq>
+              <p:cTn id="26" dur="indefinite" nodeType="mainSeq"/>
+              <p:prevCondLst>
+                <p:cond delay="0" evt="onPrev">
+                  <p:tgtEl>
+                    <p:sldTgt/>
+                  </p:tgtEl>
+                </p:cond>
+              </p:prevCondLst>
+              <p:nextCondLst>
+                <p:cond delay="0" evt="onNext">
+                  <p:tgtEl>
+                    <p:sldTgt/>
+                  </p:tgtEl>
+                </p:cond>
+              </p:nextCondLst>
+            </p:seq>
+          </p:childTnLst>
+        </p:cTn>
+      </p:par>
+    </p:tnLst>
+  </p:timing>
+</p:sld>
+</file>
+
+<file path=ppt/slides/slide14.xml><?xml version="1.0" encoding="utf-8"?>
+<p:sld xmlns:a="http://schemas.openxmlformats.org/drawingml/2006/main" xmlns:p="http://schemas.openxmlformats.org/presentationml/2006/main" xmlns:r="http://schemas.openxmlformats.org/officeDocument/2006/relationships" xmlns:p14="http://schemas.microsoft.com/office/powerpoint/2010/main" xmlns:p15="http://schemas.microsoft.com/office/powerpoint/2012/main" xmlns:mc="http://schemas.openxmlformats.org/markup-compatibility/2006">
+  <p:cSld>
+    <p:bg>
+      <p:bgPr>
+        <a:blipFill rotWithShape="0">
+          <a:blip r:embed="rId1"/>
+          <a:stretch>
+            <a:fillRect/>
+          </a:stretch>
+        </a:blipFill>
+      </p:bgPr>
+    </p:bg>
+    <p:spTree>
+      <p:nvGrpSpPr>
+        <p:cNvPr id="1" name=""/>
+        <p:cNvGrpSpPr/>
+        <p:nvPr/>
+      </p:nvGrpSpPr>
+      <p:grpSpPr>
+        <a:xfrm>
+          <a:off x="0" y="0"/>
+          <a:ext cx="0" cy="0"/>
+          <a:chOff x="0" y="0"/>
+          <a:chExt cx="0" cy="0"/>
+        </a:xfrm>
+      </p:grpSpPr>
+      <p:sp>
+        <p:nvSpPr>
+          <p:cNvPr id="114" name="CustomShape 1"/>
+          <p:cNvSpPr/>
+          <p:nvPr/>
+        </p:nvSpPr>
+        <p:spPr>
+          <a:xfrm>
             <a:off x="3708000" y="4081320"/>
-            <a:ext cx="5255280" cy="485640"/>
+            <a:ext cx="5254200" cy="484560"/>
           </a:xfrm>
           <a:prstGeom prst="rect">
             <a:avLst/>
@@ -4315,10 +4633,10 @@
   <p:timing>
     <p:tnLst>
       <p:par>
-        <p:cTn id="25" dur="indefinite" restart="never" nodeType="tmRoot">
+        <p:cTn id="27" dur="indefinite" restart="never" nodeType="tmRoot">
           <p:childTnLst>
             <p:seq>
-              <p:cTn id="26" dur="indefinite" nodeType="mainSeq"/>
+              <p:cTn id="28" dur="indefinite" nodeType="mainSeq"/>
               <p:prevCondLst>
                 <p:cond delay="0" evt="onPrev">
                   <p:tgtEl>
@@ -4378,7 +4696,7 @@
         <p:spPr>
           <a:xfrm>
             <a:off x="704520" y="696240"/>
-            <a:ext cx="10814760" cy="4232520"/>
+            <a:ext cx="10813680" cy="4231440"/>
           </a:xfrm>
           <a:prstGeom prst="rect">
             <a:avLst/>
@@ -4511,6 +4829,26 @@
                 <a:ea typeface="DejaVu Sans"/>
               </a:rPr>
               <a:t>Twitter: @Geekosas_com (Artículos Blog)</a:t>
+            </a:r>
+            <a:endParaRPr b="0" lang="es-CL" sz="2800" spc="-1" strike="noStrike">
+              <a:latin typeface="Arial"/>
+            </a:endParaRPr>
+          </a:p>
+          <a:p>
+            <a:pPr algn="ctr">
+              <a:lnSpc>
+                <a:spcPct val="100000"/>
+              </a:lnSpc>
+            </a:pPr>
+            <a:r>
+              <a:rPr b="0" lang="es-CL" sz="2800" spc="-1" strike="noStrike">
+                <a:solidFill>
+                  <a:srgbClr val="05b079"/>
+                </a:solidFill>
+                <a:latin typeface="Segoe UI Semilight"/>
+                <a:ea typeface="DejaVu Sans"/>
+              </a:rPr>
+              <a:t>GIT: https://github.com/danielfm123/sqlsaturday2018</a:t>
             </a:r>
             <a:endParaRPr b="0" lang="es-CL" sz="2800" spc="-1" strike="noStrike">
               <a:latin typeface="Arial"/>
@@ -4606,7 +4944,7 @@
         <p:spPr>
           <a:xfrm>
             <a:off x="2324160" y="4374360"/>
-            <a:ext cx="3064320" cy="1063800"/>
+            <a:ext cx="3063240" cy="1062720"/>
           </a:xfrm>
           <a:prstGeom prst="rect">
             <a:avLst/>
@@ -4659,7 +4997,7 @@
         <p:spPr>
           <a:xfrm>
             <a:off x="7323120" y="3285000"/>
-            <a:ext cx="2678400" cy="505440"/>
+            <a:ext cx="2677320" cy="504360"/>
           </a:xfrm>
           <a:prstGeom prst="rect">
             <a:avLst/>
@@ -4682,7 +5020,7 @@
         <p:spPr>
           <a:xfrm>
             <a:off x="6877800" y="5150880"/>
-            <a:ext cx="2189880" cy="1004040"/>
+            <a:ext cx="2188800" cy="1002960"/>
           </a:xfrm>
           <a:prstGeom prst="rect">
             <a:avLst/>
@@ -4705,7 +5043,7 @@
         <p:spPr>
           <a:xfrm>
             <a:off x="3680280" y="5353560"/>
-            <a:ext cx="2281320" cy="455400"/>
+            <a:ext cx="2280240" cy="454320"/>
           </a:xfrm>
           <a:prstGeom prst="rect">
             <a:avLst/>
@@ -4728,7 +5066,7 @@
         <p:spPr>
           <a:xfrm>
             <a:off x="2605680" y="2107080"/>
-            <a:ext cx="2148120" cy="455760"/>
+            <a:ext cx="2147040" cy="454680"/>
           </a:xfrm>
           <a:prstGeom prst="rect">
             <a:avLst/>
@@ -4751,7 +5089,7 @@
         <p:spPr>
           <a:xfrm>
             <a:off x="4195800" y="2869920"/>
-            <a:ext cx="1886760" cy="900000"/>
+            <a:ext cx="1885680" cy="898920"/>
           </a:xfrm>
           <a:prstGeom prst="rect">
             <a:avLst/>
@@ -4774,7 +5112,7 @@
         <p:spPr>
           <a:xfrm>
             <a:off x="8607600" y="2107080"/>
-            <a:ext cx="2788920" cy="518040"/>
+            <a:ext cx="2787840" cy="516960"/>
           </a:xfrm>
           <a:prstGeom prst="rect">
             <a:avLst/>
@@ -4797,7 +5135,7 @@
         <p:spPr>
           <a:xfrm>
             <a:off x="5389560" y="2195640"/>
-            <a:ext cx="2582640" cy="330120"/>
+            <a:ext cx="2581560" cy="329040"/>
           </a:xfrm>
           <a:prstGeom prst="rect">
             <a:avLst/>
@@ -4816,7 +5154,7 @@
         <p:spPr>
           <a:xfrm>
             <a:off x="2156040" y="1041840"/>
-            <a:ext cx="3047760" cy="1063800"/>
+            <a:ext cx="3046680" cy="1062720"/>
           </a:xfrm>
           <a:prstGeom prst="rect">
             <a:avLst/>
@@ -4924,7 +5262,7 @@
         <p:spPr>
           <a:xfrm>
             <a:off x="251640" y="1837080"/>
-            <a:ext cx="11693160" cy="2404440"/>
+            <a:ext cx="11692080" cy="2403360"/>
           </a:xfrm>
           <a:prstGeom prst="rect">
             <a:avLst/>
@@ -5062,7 +5400,7 @@
         <p:spPr>
           <a:xfrm>
             <a:off x="1559880" y="1050480"/>
-            <a:ext cx="9142920" cy="481320"/>
+            <a:ext cx="9141840" cy="480240"/>
           </a:xfrm>
           <a:prstGeom prst="rect">
             <a:avLst/>
@@ -5111,7 +5449,7 @@
         <p:spPr>
           <a:xfrm>
             <a:off x="609480" y="1604520"/>
-            <a:ext cx="5353560" cy="3976560"/>
+            <a:ext cx="5352480" cy="3975480"/>
           </a:xfrm>
           <a:prstGeom prst="rect">
             <a:avLst/>
@@ -5132,7 +5470,7 @@
             <a:normAutofit/>
           </a:bodyPr>
           <a:p>
-            <a:pPr marL="432000" indent="-323280">
+            <a:pPr marL="432000" indent="-322200">
               <a:lnSpc>
                 <a:spcPct val="100000"/>
               </a:lnSpc>
@@ -5161,7 +5499,7 @@
             </a:endParaRPr>
           </a:p>
           <a:p>
-            <a:pPr lvl="1" marL="864000" indent="-323280">
+            <a:pPr lvl="1" marL="864000" indent="-322200">
               <a:lnSpc>
                 <a:spcPct val="100000"/>
               </a:lnSpc>
@@ -5190,7 +5528,7 @@
             </a:endParaRPr>
           </a:p>
           <a:p>
-            <a:pPr lvl="1" marL="864000" indent="-323280">
+            <a:pPr lvl="1" marL="864000" indent="-322200">
               <a:lnSpc>
                 <a:spcPct val="100000"/>
               </a:lnSpc>
@@ -5219,7 +5557,7 @@
             </a:endParaRPr>
           </a:p>
           <a:p>
-            <a:pPr lvl="1" marL="864000" indent="-323280">
+            <a:pPr lvl="1" marL="864000" indent="-322200">
               <a:lnSpc>
                 <a:spcPct val="100000"/>
               </a:lnSpc>
@@ -5258,7 +5596,7 @@
         <p:spPr>
           <a:xfrm>
             <a:off x="6231960" y="1604520"/>
-            <a:ext cx="5353560" cy="3976560"/>
+            <a:ext cx="5352480" cy="3975480"/>
           </a:xfrm>
           <a:prstGeom prst="rect">
             <a:avLst/>
@@ -5279,7 +5617,7 @@
             <a:normAutofit/>
           </a:bodyPr>
           <a:p>
-            <a:pPr marL="432000" indent="-323280">
+            <a:pPr marL="432000" indent="-322200">
               <a:lnSpc>
                 <a:spcPct val="100000"/>
               </a:lnSpc>
@@ -5308,7 +5646,7 @@
             </a:endParaRPr>
           </a:p>
           <a:p>
-            <a:pPr lvl="1" marL="864000" indent="-323280">
+            <a:pPr lvl="1" marL="864000" indent="-322200">
               <a:lnSpc>
                 <a:spcPct val="100000"/>
               </a:lnSpc>
@@ -5337,7 +5675,7 @@
             </a:endParaRPr>
           </a:p>
           <a:p>
-            <a:pPr lvl="1" marL="864000" indent="-323280">
+            <a:pPr lvl="1" marL="864000" indent="-322200">
               <a:lnSpc>
                 <a:spcPct val="100000"/>
               </a:lnSpc>
@@ -5366,7 +5704,7 @@
             </a:endParaRPr>
           </a:p>
           <a:p>
-            <a:pPr lvl="1" marL="864000" indent="-323280">
+            <a:pPr lvl="1" marL="864000" indent="-322200">
               <a:lnSpc>
                 <a:spcPct val="100000"/>
               </a:lnSpc>
@@ -5395,7 +5733,7 @@
             </a:endParaRPr>
           </a:p>
           <a:p>
-            <a:pPr lvl="1" marL="864000" indent="-323280">
+            <a:pPr lvl="1" marL="864000" indent="-322200">
               <a:lnSpc>
                 <a:spcPct val="100000"/>
               </a:lnSpc>
@@ -5424,7 +5762,7 @@
             </a:endParaRPr>
           </a:p>
           <a:p>
-            <a:pPr lvl="1" marL="864000" indent="-323280">
+            <a:pPr lvl="1" marL="864000" indent="-322200">
               <a:lnSpc>
                 <a:spcPct val="100000"/>
               </a:lnSpc>
@@ -5522,7 +5860,7 @@
         <p:spPr>
           <a:xfrm>
             <a:off x="1559880" y="1050480"/>
-            <a:ext cx="9142920" cy="481320"/>
+            <a:ext cx="9141840" cy="480240"/>
           </a:xfrm>
           <a:prstGeom prst="rect">
             <a:avLst/>
@@ -5571,7 +5909,7 @@
         <p:spPr>
           <a:xfrm>
             <a:off x="609480" y="1604520"/>
-            <a:ext cx="5353560" cy="3976560"/>
+            <a:ext cx="5352480" cy="3975480"/>
           </a:xfrm>
           <a:prstGeom prst="rect">
             <a:avLst/>
@@ -5592,7 +5930,7 @@
             <a:normAutofit/>
           </a:bodyPr>
           <a:p>
-            <a:pPr marL="432000" indent="-323280">
+            <a:pPr marL="432000" indent="-322200">
               <a:lnSpc>
                 <a:spcPct val="100000"/>
               </a:lnSpc>
@@ -5621,7 +5959,7 @@
             </a:endParaRPr>
           </a:p>
           <a:p>
-            <a:pPr lvl="1" marL="864000" indent="-323280">
+            <a:pPr lvl="1" marL="864000" indent="-322200">
               <a:lnSpc>
                 <a:spcPct val="100000"/>
               </a:lnSpc>
@@ -5650,7 +5988,7 @@
             </a:endParaRPr>
           </a:p>
           <a:p>
-            <a:pPr lvl="1" marL="864000" indent="-323280">
+            <a:pPr lvl="1" marL="864000" indent="-322200">
               <a:lnSpc>
                 <a:spcPct val="100000"/>
               </a:lnSpc>
@@ -5679,7 +6017,7 @@
             </a:endParaRPr>
           </a:p>
           <a:p>
-            <a:pPr lvl="1" marL="864000" indent="-323280">
+            <a:pPr lvl="1" marL="864000" indent="-322200">
               <a:lnSpc>
                 <a:spcPct val="100000"/>
               </a:lnSpc>
@@ -5718,7 +6056,7 @@
         <p:spPr>
           <a:xfrm>
             <a:off x="6231960" y="1604520"/>
-            <a:ext cx="5353560" cy="3976560"/>
+            <a:ext cx="5352480" cy="3975480"/>
           </a:xfrm>
           <a:prstGeom prst="rect">
             <a:avLst/>
@@ -5739,7 +6077,7 @@
             <a:normAutofit/>
           </a:bodyPr>
           <a:p>
-            <a:pPr marL="432000" indent="-323280">
+            <a:pPr marL="432000" indent="-322200">
               <a:lnSpc>
                 <a:spcPct val="100000"/>
               </a:lnSpc>
@@ -5768,7 +6106,7 @@
             </a:endParaRPr>
           </a:p>
           <a:p>
-            <a:pPr lvl="1" marL="864000" indent="-323280">
+            <a:pPr lvl="1" marL="864000" indent="-322200">
               <a:lnSpc>
                 <a:spcPct val="100000"/>
               </a:lnSpc>
@@ -5797,7 +6135,7 @@
             </a:endParaRPr>
           </a:p>
           <a:p>
-            <a:pPr lvl="1" marL="864000" indent="-323280">
+            <a:pPr lvl="1" marL="864000" indent="-322200">
               <a:lnSpc>
                 <a:spcPct val="100000"/>
               </a:lnSpc>
@@ -5819,7 +6157,7 @@
                 <a:latin typeface="Calibri"/>
                 <a:ea typeface="DejaVu Sans"/>
               </a:rPr>
-              <a:t>Ejecutar R desde SQL Server 2017.</a:t>
+              <a:t>Usar R desde SQL Server 2017.</a:t>
             </a:r>
             <a:endParaRPr b="0" lang="es-CL" sz="2000" spc="-1" strike="noStrike">
               <a:latin typeface="Arial"/>
@@ -5895,7 +6233,7 @@
         <p:spPr>
           <a:xfrm>
             <a:off x="1559880" y="1050480"/>
-            <a:ext cx="9142920" cy="481320"/>
+            <a:ext cx="9141840" cy="480240"/>
           </a:xfrm>
           <a:prstGeom prst="rect">
             <a:avLst/>
@@ -8139,7 +8477,7 @@
         <p:spPr>
           <a:xfrm>
             <a:off x="1559880" y="1050480"/>
-            <a:ext cx="10463760" cy="481320"/>
+            <a:ext cx="10462680" cy="480240"/>
           </a:xfrm>
           <a:prstGeom prst="rect">
             <a:avLst/>
@@ -8191,8 +8529,8 @@
         </p:blipFill>
         <p:spPr>
           <a:xfrm>
-            <a:off x="3528000" y="1639800"/>
-            <a:ext cx="6882840" cy="4776480"/>
+            <a:off x="2736000" y="1639800"/>
+            <a:ext cx="6881760" cy="4775400"/>
           </a:xfrm>
           <a:prstGeom prst="rect">
             <a:avLst/>
@@ -8210,8 +8548,8 @@
         </p:nvSpPr>
         <p:spPr>
           <a:xfrm>
-            <a:off x="5472000" y="3528000"/>
-            <a:ext cx="1872000" cy="504000"/>
+            <a:off x="4644000" y="3528000"/>
+            <a:ext cx="1870920" cy="502920"/>
           </a:xfrm>
           <a:prstGeom prst="rect">
             <a:avLst/>
@@ -8299,7 +8637,7 @@
         <p:spPr>
           <a:xfrm>
             <a:off x="1559880" y="1050480"/>
-            <a:ext cx="10463760" cy="481320"/>
+            <a:ext cx="10462680" cy="480240"/>
           </a:xfrm>
           <a:prstGeom prst="rect">
             <a:avLst/>
@@ -8341,14 +8679,14 @@
       </p:sp>
       <p:sp>
         <p:nvSpPr>
-          <p:cNvPr id="101" name="TextShape 2"/>
-          <p:cNvSpPr txBox="1"/>
+          <p:cNvPr id="101" name="CustomShape 2"/>
+          <p:cNvSpPr/>
           <p:nvPr/>
         </p:nvSpPr>
         <p:spPr>
           <a:xfrm>
             <a:off x="1440000" y="1872000"/>
-            <a:ext cx="6043680" cy="1114200"/>
+            <a:ext cx="6042600" cy="1113120"/>
           </a:xfrm>
           <a:prstGeom prst="rect">
             <a:avLst/>
@@ -8358,35 +8696,47 @@
             <a:noFill/>
           </a:ln>
         </p:spPr>
+        <p:style>
+          <a:lnRef idx="0"/>
+          <a:fillRef idx="0"/>
+          <a:effectRef idx="0"/>
+          <a:fontRef idx="minor"/>
+        </p:style>
         <p:txBody>
           <a:bodyPr lIns="90000" rIns="90000" tIns="45000" bIns="45000"/>
           <a:p>
+            <a:pPr>
+              <a:lnSpc>
+                <a:spcPct val="100000"/>
+              </a:lnSpc>
+            </a:pPr>
             <a:r>
               <a:rPr b="0" lang="es-CL" sz="1800" spc="-1" strike="noStrike">
+                <a:solidFill>
+                  <a:srgbClr val="000000"/>
+                </a:solidFill>
                 <a:latin typeface="Arial"/>
+                <a:ea typeface="DejaVu Sans"/>
               </a:rPr>
-              <a:t>Series de Retornos → </a:t>
+              <a:t>Series de Retornos → Matriz Varianza Covarianza = MVC</a:t>
             </a:r>
+            <a:endParaRPr b="0" lang="es-CL" sz="1800" spc="-1" strike="noStrike">
+              <a:latin typeface="Arial"/>
+            </a:endParaRPr>
+          </a:p>
+          <a:p>
+            <a:pPr>
+              <a:lnSpc>
+                <a:spcPct val="100000"/>
+              </a:lnSpc>
+            </a:pPr>
             <a:r>
               <a:rPr b="0" lang="es-CL" sz="1800" spc="-1" strike="noStrike">
+                <a:solidFill>
+                  <a:srgbClr val="000000"/>
+                </a:solidFill>
                 <a:latin typeface="Arial"/>
-              </a:rPr>
-              <a:t>Matriz Varianza </a:t>
-            </a:r>
-            <a:r>
-              <a:rPr b="0" lang="es-CL" sz="1800" spc="-1" strike="noStrike">
-                <a:latin typeface="Arial"/>
-              </a:rPr>
-              <a:t>Covarianza = MVC</a:t>
-            </a:r>
-            <a:endParaRPr b="0" lang="es-CL" sz="1800" spc="-1" strike="noStrike">
-              <a:latin typeface="Arial"/>
-            </a:endParaRPr>
-          </a:p>
-          <a:p>
-            <a:r>
-              <a:rPr b="0" lang="es-CL" sz="1800" spc="-1" strike="noStrike">
-                <a:latin typeface="Arial"/>
+                <a:ea typeface="DejaVu Sans"/>
               </a:rPr>
               <a:t>Pesos Portafolio = W</a:t>
             </a:r>
@@ -8395,17 +8745,50 @@
             </a:endParaRPr>
           </a:p>
           <a:p>
+            <a:pPr>
+              <a:lnSpc>
+                <a:spcPct val="100000"/>
+              </a:lnSpc>
+            </a:pPr>
             <a:endParaRPr b="0" lang="es-CL" sz="1800" spc="-1" strike="noStrike">
               <a:latin typeface="Arial"/>
             </a:endParaRPr>
           </a:p>
           <a:p>
+            <a:pPr>
+              <a:lnSpc>
+                <a:spcPct val="100000"/>
+              </a:lnSpc>
+            </a:pPr>
             <a:r>
               <a:rPr b="0" lang="es-CL" sz="1800" spc="-1" strike="noStrike">
+                <a:solidFill>
+                  <a:srgbClr val="000000"/>
+                </a:solidFill>
                 <a:latin typeface="Arial"/>
                 <a:ea typeface="Noto Sans CJK SC Regular"/>
               </a:rPr>
-              <a:t>VaR = W^t * MVC * W</a:t>
+              <a:t>var = W^t * MVC * W</a:t>
+            </a:r>
+            <a:endParaRPr b="0" lang="es-CL" sz="1800" spc="-1" strike="noStrike">
+              <a:latin typeface="Arial"/>
+            </a:endParaRPr>
+          </a:p>
+          <a:p>
+            <a:pPr>
+              <a:lnSpc>
+                <a:spcPct val="100000"/>
+              </a:lnSpc>
+            </a:pPr>
+            <a:r>
+              <a:rPr b="0" lang="es-CL" sz="1800" spc="-1" strike="noStrike">
+                <a:solidFill>
+                  <a:srgbClr val="000000"/>
+                </a:solidFill>
+                <a:latin typeface="Arial"/>
+                <a:ea typeface="Noto Sans CJK SC Regular"/>
+              </a:rPr>
+              <a:t>VaR = 1.96*var</a:t>
             </a:r>
             <a:endParaRPr b="0" lang="es-CL" sz="1800" spc="-1" strike="noStrike">
               <a:latin typeface="Arial"/>
@@ -8425,8 +8808,8 @@
         </p:blipFill>
         <p:spPr>
           <a:xfrm>
-            <a:off x="3122280" y="2932560"/>
-            <a:ext cx="4869720" cy="3763440"/>
+            <a:off x="6156000" y="2411640"/>
+            <a:ext cx="5543640" cy="4284000"/>
           </a:xfrm>
           <a:prstGeom prst="rect">
             <a:avLst/>

--- a/presentacion.pptx
+++ b/presentacion.pptx
@@ -2741,7 +2741,13 @@
               <a:rPr b="0" lang="es-CL" sz="4400" spc="-1" strike="noStrike">
                 <a:latin typeface="Arial"/>
               </a:rPr>
-              <a:t>Click to edit the title text format</a:t>
+              <a:t>Click to edit the title text </a:t>
+            </a:r>
+            <a:r>
+              <a:rPr b="0" lang="es-CL" sz="4400" spc="-1" strike="noStrike">
+                <a:latin typeface="Arial"/>
+              </a:rPr>
+              <a:t>format</a:t>
             </a:r>
             <a:endParaRPr b="0" lang="es-CL" sz="4400" spc="-1" strike="noStrike">
               <a:latin typeface="Arial"/>
@@ -4456,7 +4462,7 @@
         </p:nvSpPr>
         <p:spPr>
           <a:xfrm>
-            <a:off x="1559880" y="1050480"/>
+            <a:off x="2160" y="-48240"/>
             <a:ext cx="9141840" cy="480240"/>
           </a:xfrm>
           <a:prstGeom prst="rect">
@@ -4509,8 +4515,8 @@
         </p:blipFill>
         <p:spPr>
           <a:xfrm>
-            <a:off x="2088000" y="1540080"/>
-            <a:ext cx="8570520" cy="5155920"/>
+            <a:off x="1116000" y="892080"/>
+            <a:ext cx="9720000" cy="5847480"/>
           </a:xfrm>
           <a:prstGeom prst="rect">
             <a:avLst/>

--- a/presentacion.pptx
+++ b/presentacion.pptx
@@ -2741,7 +2741,19 @@
               <a:rPr b="0" lang="es-CL" sz="4400" spc="-1" strike="noStrike">
                 <a:latin typeface="Arial"/>
               </a:rPr>
-              <a:t>Click to edit the title text </a:t>
+              <a:t>Click to </a:t>
+            </a:r>
+            <a:r>
+              <a:rPr b="0" lang="es-CL" sz="4400" spc="-1" strike="noStrike">
+                <a:latin typeface="Arial"/>
+              </a:rPr>
+              <a:t>edit the </a:t>
+            </a:r>
+            <a:r>
+              <a:rPr b="0" lang="es-CL" sz="4400" spc="-1" strike="noStrike">
+                <a:latin typeface="Arial"/>
+              </a:rPr>
+              <a:t>title text </a:t>
             </a:r>
             <a:r>
               <a:rPr b="0" lang="es-CL" sz="4400" spc="-1" strike="noStrike">
@@ -6286,7 +6298,7 @@
           <p:nvPr/>
         </p:nvGraphicFramePr>
         <p:xfrm>
-          <a:off x="431280" y="1499040"/>
+          <a:off x="431280" y="1643040"/>
           <a:ext cx="11448360" cy="4838760"/>
         </p:xfrm>
         <a:graphic>
@@ -8075,7 +8087,7 @@
                         <a:rPr b="0" lang="es-CL" sz="1800" spc="-1" strike="noStrike">
                           <a:latin typeface="Arial"/>
                         </a:rPr>
-                        <a:t>linux setup</a:t>
+                        <a:t>linux setup (admin)</a:t>
                       </a:r>
                       <a:endParaRPr b="0" lang="es-CL" sz="1800" spc="-1" strike="noStrike">
                         <a:latin typeface="Arial"/>
